--- a/0609/final_report_u.pptx
+++ b/0609/final_report_u.pptx
@@ -5,10 +5,10 @@
     <p:sldMasterId id="2147483648" r:id="rId4"/>
   </p:sldMasterIdLst>
   <p:notesMasterIdLst>
-    <p:notesMasterId r:id="rId16"/>
+    <p:notesMasterId r:id="rId17"/>
   </p:notesMasterIdLst>
   <p:handoutMasterIdLst>
-    <p:handoutMasterId r:id="rId17"/>
+    <p:handoutMasterId r:id="rId18"/>
   </p:handoutMasterIdLst>
   <p:sldIdLst>
     <p:sldId id="325" r:id="rId5"/>
@@ -22,6 +22,7 @@
     <p:sldId id="345" r:id="rId13"/>
     <p:sldId id="348" r:id="rId14"/>
     <p:sldId id="351" r:id="rId15"/>
+    <p:sldId id="353" r:id="rId16"/>
   </p:sldIdLst>
   <p:sldSz cx="12192000" cy="6858000"/>
   <p:notesSz cx="6858000" cy="9144000"/>
@@ -136,6 +137,7 @@
             <p14:sldId id="345"/>
             <p14:sldId id="348"/>
             <p14:sldId id="351"/>
+            <p14:sldId id="353"/>
           </p14:sldIdLst>
         </p14:section>
       </p14:sectionLst>
@@ -12342,6 +12344,1474 @@
     <p:extLst>
       <p:ext uri="{BB962C8B-B14F-4D97-AF65-F5344CB8AC3E}">
         <p14:creationId xmlns:p14="http://schemas.microsoft.com/office/powerpoint/2010/main" val="2230046097"/>
+      </p:ext>
+    </p:extLst>
+  </p:cSld>
+  <p:clrMapOvr>
+    <a:masterClrMapping/>
+  </p:clrMapOvr>
+</p:sld>
+</file>
+
+<file path=ppt/slides/slide12.xml><?xml version="1.0" encoding="utf-8"?>
+<p:sld xmlns:a="http://schemas.openxmlformats.org/drawingml/2006/main" xmlns:r="http://schemas.openxmlformats.org/officeDocument/2006/relationships" xmlns:p="http://schemas.openxmlformats.org/presentationml/2006/main">
+  <p:cSld>
+    <p:spTree>
+      <p:nvGrpSpPr>
+        <p:cNvPr id="1" name=""/>
+        <p:cNvGrpSpPr/>
+        <p:nvPr/>
+      </p:nvGrpSpPr>
+      <p:grpSpPr>
+        <a:xfrm>
+          <a:off x="0" y="0"/>
+          <a:ext cx="0" cy="0"/>
+          <a:chOff x="0" y="0"/>
+          <a:chExt cx="0" cy="0"/>
+        </a:xfrm>
+      </p:grpSpPr>
+      <p:sp>
+        <p:nvSpPr>
+          <p:cNvPr id="2" name="標題 1">
+            <a:extLst>
+              <a:ext uri="{FF2B5EF4-FFF2-40B4-BE49-F238E27FC236}">
+                <a16:creationId xmlns:a16="http://schemas.microsoft.com/office/drawing/2014/main" id="{422ED6F6-B23B-4C0B-8C7B-A5C732ACA5CE}"/>
+              </a:ext>
+            </a:extLst>
+          </p:cNvPr>
+          <p:cNvSpPr>
+            <a:spLocks noGrp="1"/>
+          </p:cNvSpPr>
+          <p:nvPr>
+            <p:ph type="title"/>
+          </p:nvPr>
+        </p:nvSpPr>
+        <p:spPr/>
+        <p:txBody>
+          <a:bodyPr/>
+          <a:lstStyle/>
+          <a:p>
+            <a:r>
+              <a:rPr lang="zh-TW" altLang="en-US" dirty="0"/>
+              <a:t>參考文獻</a:t>
+            </a:r>
+          </a:p>
+        </p:txBody>
+      </p:sp>
+      <p:sp>
+        <p:nvSpPr>
+          <p:cNvPr id="3" name="內容版面配置區 2">
+            <a:extLst>
+              <a:ext uri="{FF2B5EF4-FFF2-40B4-BE49-F238E27FC236}">
+                <a16:creationId xmlns:a16="http://schemas.microsoft.com/office/drawing/2014/main" id="{7A72ABE4-E42A-485D-BC8C-81E32A2A417B}"/>
+              </a:ext>
+            </a:extLst>
+          </p:cNvPr>
+          <p:cNvSpPr>
+            <a:spLocks noGrp="1"/>
+          </p:cNvSpPr>
+          <p:nvPr>
+            <p:ph idx="1"/>
+          </p:nvPr>
+        </p:nvSpPr>
+        <p:spPr>
+          <a:xfrm>
+            <a:off x="1295400" y="1371600"/>
+            <a:ext cx="9820656" cy="4836889"/>
+          </a:xfrm>
+        </p:spPr>
+        <p:txBody>
+          <a:bodyPr/>
+          <a:lstStyle/>
+          <a:p>
+            <a:pPr marL="457200">
+              <a:lnSpc>
+                <a:spcPct val="150000"/>
+              </a:lnSpc>
+            </a:pPr>
+            <a:r>
+              <a:rPr lang="en-US" altLang="zh-TW" sz="1050" kern="100" dirty="0">
+                <a:solidFill>
+                  <a:srgbClr val="000000"/>
+                </a:solidFill>
+                <a:effectLst/>
+                <a:latin typeface="Times New Roman" panose="02020603050405020304" pitchFamily="18" charset="0"/>
+                <a:ea typeface="標楷體" panose="03000509000000000000" pitchFamily="65" charset="-120"/>
+                <a:cs typeface="Times New Roman" panose="02020603050405020304" pitchFamily="18" charset="0"/>
+              </a:rPr>
+              <a:t>[1]</a:t>
+            </a:r>
+            <a:r>
+              <a:rPr lang="en-US" altLang="zh-TW" sz="1050" kern="100" dirty="0">
+                <a:solidFill>
+                  <a:srgbClr val="000000"/>
+                </a:solidFill>
+                <a:effectLst/>
+                <a:latin typeface="標楷體" panose="03000509000000000000" pitchFamily="65" charset="-120"/>
+                <a:ea typeface="新細明體" panose="02020500000000000000" pitchFamily="18" charset="-120"/>
+                <a:cs typeface="Times New Roman" panose="02020603050405020304" pitchFamily="18" charset="0"/>
+              </a:rPr>
+              <a:t> </a:t>
+            </a:r>
+            <a:r>
+              <a:rPr lang="en-US" altLang="zh-TW" sz="1050" kern="100" dirty="0" err="1">
+                <a:solidFill>
+                  <a:srgbClr val="000000"/>
+                </a:solidFill>
+                <a:effectLst/>
+                <a:latin typeface="Arial" panose="020B0604020202020204" pitchFamily="34" charset="0"/>
+                <a:ea typeface="新細明體" panose="02020500000000000000" pitchFamily="18" charset="-120"/>
+                <a:cs typeface="Times New Roman" panose="02020603050405020304" pitchFamily="18" charset="0"/>
+              </a:rPr>
+              <a:t>Kondracki</a:t>
+            </a:r>
+            <a:r>
+              <a:rPr lang="en-US" altLang="zh-TW" sz="1050" kern="100" dirty="0">
+                <a:solidFill>
+                  <a:srgbClr val="000000"/>
+                </a:solidFill>
+                <a:effectLst/>
+                <a:latin typeface="Arial" panose="020B0604020202020204" pitchFamily="34" charset="0"/>
+                <a:ea typeface="新細明體" panose="02020500000000000000" pitchFamily="18" charset="-120"/>
+                <a:cs typeface="Times New Roman" panose="02020603050405020304" pitchFamily="18" charset="0"/>
+              </a:rPr>
+              <a:t>, B., Azad, B. A., </a:t>
+            </a:r>
+            <a:r>
+              <a:rPr lang="en-US" altLang="zh-TW" sz="1050" kern="100" dirty="0" err="1">
+                <a:solidFill>
+                  <a:srgbClr val="000000"/>
+                </a:solidFill>
+                <a:effectLst/>
+                <a:latin typeface="Arial" panose="020B0604020202020204" pitchFamily="34" charset="0"/>
+                <a:ea typeface="新細明體" panose="02020500000000000000" pitchFamily="18" charset="-120"/>
+                <a:cs typeface="Times New Roman" panose="02020603050405020304" pitchFamily="18" charset="0"/>
+              </a:rPr>
+              <a:t>Starov</a:t>
+            </a:r>
+            <a:r>
+              <a:rPr lang="en-US" altLang="zh-TW" sz="1050" kern="100" dirty="0">
+                <a:solidFill>
+                  <a:srgbClr val="000000"/>
+                </a:solidFill>
+                <a:effectLst/>
+                <a:latin typeface="Arial" panose="020B0604020202020204" pitchFamily="34" charset="0"/>
+                <a:ea typeface="新細明體" panose="02020500000000000000" pitchFamily="18" charset="-120"/>
+                <a:cs typeface="Times New Roman" panose="02020603050405020304" pitchFamily="18" charset="0"/>
+              </a:rPr>
+              <a:t>, O., &amp; </a:t>
+            </a:r>
+            <a:r>
+              <a:rPr lang="en-US" altLang="zh-TW" sz="1050" kern="100" dirty="0" err="1">
+                <a:solidFill>
+                  <a:srgbClr val="000000"/>
+                </a:solidFill>
+                <a:effectLst/>
+                <a:latin typeface="Arial" panose="020B0604020202020204" pitchFamily="34" charset="0"/>
+                <a:ea typeface="新細明體" panose="02020500000000000000" pitchFamily="18" charset="-120"/>
+                <a:cs typeface="Times New Roman" panose="02020603050405020304" pitchFamily="18" charset="0"/>
+              </a:rPr>
+              <a:t>Nikiforakis</a:t>
+            </a:r>
+            <a:r>
+              <a:rPr lang="en-US" altLang="zh-TW" sz="1050" kern="100" dirty="0">
+                <a:solidFill>
+                  <a:srgbClr val="000000"/>
+                </a:solidFill>
+                <a:effectLst/>
+                <a:latin typeface="Arial" panose="020B0604020202020204" pitchFamily="34" charset="0"/>
+                <a:ea typeface="新細明體" panose="02020500000000000000" pitchFamily="18" charset="-120"/>
+                <a:cs typeface="Times New Roman" panose="02020603050405020304" pitchFamily="18" charset="0"/>
+              </a:rPr>
+              <a:t>, N.. (2021). </a:t>
+            </a:r>
+            <a:r>
+              <a:rPr lang="en-US" altLang="zh-TW" sz="1050" i="1" kern="100" dirty="0">
+                <a:solidFill>
+                  <a:srgbClr val="000000"/>
+                </a:solidFill>
+                <a:effectLst/>
+                <a:latin typeface="Arial" panose="020B0604020202020204" pitchFamily="34" charset="0"/>
+                <a:ea typeface="新細明體" panose="02020500000000000000" pitchFamily="18" charset="-120"/>
+                <a:cs typeface="Times New Roman" panose="02020603050405020304" pitchFamily="18" charset="0"/>
+              </a:rPr>
+              <a:t>Catching Transparent Phish: Analyzing and Detecting MITM Phishing Toolkits</a:t>
+            </a:r>
+            <a:r>
+              <a:rPr lang="en-US" altLang="zh-TW" sz="1050" kern="100" dirty="0">
+                <a:solidFill>
+                  <a:srgbClr val="000000"/>
+                </a:solidFill>
+                <a:effectLst/>
+                <a:latin typeface="Arial" panose="020B0604020202020204" pitchFamily="34" charset="0"/>
+                <a:ea typeface="新細明體" panose="02020500000000000000" pitchFamily="18" charset="-120"/>
+                <a:cs typeface="Times New Roman" panose="02020603050405020304" pitchFamily="18" charset="0"/>
+              </a:rPr>
+              <a:t>. </a:t>
+            </a:r>
+            <a:endParaRPr lang="zh-TW" altLang="zh-TW" sz="1050" kern="100" dirty="0">
+              <a:effectLst/>
+              <a:latin typeface="Calibri" panose="020F0502020204030204" pitchFamily="34" charset="0"/>
+              <a:ea typeface="新細明體" panose="02020500000000000000" pitchFamily="18" charset="-120"/>
+              <a:cs typeface="Times New Roman" panose="02020603050405020304" pitchFamily="18" charset="0"/>
+            </a:endParaRPr>
+          </a:p>
+          <a:p>
+            <a:pPr marL="457200">
+              <a:lnSpc>
+                <a:spcPct val="150000"/>
+              </a:lnSpc>
+            </a:pPr>
+            <a:r>
+              <a:rPr lang="en-US" altLang="zh-TW" sz="1050" kern="100" dirty="0">
+                <a:solidFill>
+                  <a:srgbClr val="000000"/>
+                </a:solidFill>
+                <a:effectLst/>
+                <a:latin typeface="Times New Roman" panose="02020603050405020304" pitchFamily="18" charset="0"/>
+                <a:ea typeface="標楷體" panose="03000509000000000000" pitchFamily="65" charset="-120"/>
+                <a:cs typeface="Times New Roman" panose="02020603050405020304" pitchFamily="18" charset="0"/>
+              </a:rPr>
+              <a:t>[2] [3]</a:t>
+            </a:r>
+            <a:r>
+              <a:rPr lang="en-US" altLang="zh-TW" sz="1050" kern="100" dirty="0">
+                <a:solidFill>
+                  <a:srgbClr val="000000"/>
+                </a:solidFill>
+                <a:effectLst/>
+                <a:latin typeface="標楷體" panose="03000509000000000000" pitchFamily="65" charset="-120"/>
+                <a:ea typeface="新細明體" panose="02020500000000000000" pitchFamily="18" charset="-120"/>
+                <a:cs typeface="Times New Roman" panose="02020603050405020304" pitchFamily="18" charset="0"/>
+              </a:rPr>
+              <a:t> </a:t>
+            </a:r>
+            <a:r>
+              <a:rPr lang="en-US" altLang="zh-TW" sz="1050" kern="100" dirty="0">
+                <a:solidFill>
+                  <a:srgbClr val="000000"/>
+                </a:solidFill>
+                <a:effectLst/>
+                <a:latin typeface="Arial" panose="020B0604020202020204" pitchFamily="34" charset="0"/>
+                <a:ea typeface="新細明體" panose="02020500000000000000" pitchFamily="18" charset="-120"/>
+                <a:cs typeface="Times New Roman" panose="02020603050405020304" pitchFamily="18" charset="0"/>
+              </a:rPr>
+              <a:t>Nguyen, L. D., Le, D.-N., &amp; Vinh, L. T.. (2014). </a:t>
+            </a:r>
+            <a:r>
+              <a:rPr lang="en-US" altLang="zh-TW" sz="1050" i="1" kern="100" dirty="0">
+                <a:solidFill>
+                  <a:srgbClr val="000000"/>
+                </a:solidFill>
+                <a:effectLst/>
+                <a:latin typeface="Arial" panose="020B0604020202020204" pitchFamily="34" charset="0"/>
+                <a:ea typeface="新細明體" panose="02020500000000000000" pitchFamily="18" charset="-120"/>
+                <a:cs typeface="Times New Roman" panose="02020603050405020304" pitchFamily="18" charset="0"/>
+              </a:rPr>
+              <a:t>Detecting phishing web pages based on DOM-tree structure and graph matching algorithm</a:t>
+            </a:r>
+            <a:r>
+              <a:rPr lang="en-US" altLang="zh-TW" sz="1050" kern="100" dirty="0">
+                <a:solidFill>
+                  <a:srgbClr val="000000"/>
+                </a:solidFill>
+                <a:effectLst/>
+                <a:latin typeface="Arial" panose="020B0604020202020204" pitchFamily="34" charset="0"/>
+                <a:ea typeface="新細明體" panose="02020500000000000000" pitchFamily="18" charset="-120"/>
+                <a:cs typeface="Times New Roman" panose="02020603050405020304" pitchFamily="18" charset="0"/>
+              </a:rPr>
+              <a:t>. </a:t>
+            </a:r>
+          </a:p>
+          <a:p>
+            <a:pPr marL="457200">
+              <a:lnSpc>
+                <a:spcPct val="150000"/>
+              </a:lnSpc>
+            </a:pPr>
+            <a:r>
+              <a:rPr lang="en-US" altLang="zh-TW" sz="1050" kern="100" dirty="0">
+                <a:solidFill>
+                  <a:srgbClr val="000000"/>
+                </a:solidFill>
+                <a:effectLst/>
+                <a:latin typeface="Times New Roman" panose="02020603050405020304" pitchFamily="18" charset="0"/>
+                <a:ea typeface="標楷體" panose="03000509000000000000" pitchFamily="65" charset="-120"/>
+                <a:cs typeface="Times New Roman" panose="02020603050405020304" pitchFamily="18" charset="0"/>
+              </a:rPr>
+              <a:t>[4]</a:t>
+            </a:r>
+            <a:r>
+              <a:rPr lang="en-US" altLang="zh-TW" sz="1050" kern="100" dirty="0">
+                <a:solidFill>
+                  <a:srgbClr val="000000"/>
+                </a:solidFill>
+                <a:effectLst/>
+                <a:latin typeface="標楷體" panose="03000509000000000000" pitchFamily="65" charset="-120"/>
+                <a:ea typeface="新細明體" panose="02020500000000000000" pitchFamily="18" charset="-120"/>
+                <a:cs typeface="Times New Roman" panose="02020603050405020304" pitchFamily="18" charset="0"/>
+              </a:rPr>
+              <a:t> </a:t>
+            </a:r>
+            <a:r>
+              <a:rPr lang="en-US" altLang="zh-TW" sz="1050" kern="100" dirty="0" err="1">
+                <a:solidFill>
+                  <a:srgbClr val="000000"/>
+                </a:solidFill>
+                <a:effectLst/>
+                <a:latin typeface="Arial" panose="020B0604020202020204" pitchFamily="34" charset="0"/>
+                <a:ea typeface="新細明體" panose="02020500000000000000" pitchFamily="18" charset="-120"/>
+                <a:cs typeface="Times New Roman" panose="02020603050405020304" pitchFamily="18" charset="0"/>
+              </a:rPr>
+              <a:t>Lomonaco</a:t>
+            </a:r>
+            <a:r>
+              <a:rPr lang="en-US" altLang="zh-TW" sz="1050" kern="100" dirty="0">
+                <a:solidFill>
+                  <a:srgbClr val="000000"/>
+                </a:solidFill>
+                <a:effectLst/>
+                <a:latin typeface="Arial" panose="020B0604020202020204" pitchFamily="34" charset="0"/>
+                <a:ea typeface="新細明體" panose="02020500000000000000" pitchFamily="18" charset="-120"/>
+                <a:cs typeface="Times New Roman" panose="02020603050405020304" pitchFamily="18" charset="0"/>
+              </a:rPr>
+              <a:t>, V., &amp; </a:t>
+            </a:r>
+            <a:r>
+              <a:rPr lang="en-US" altLang="zh-TW" sz="1050" kern="100" dirty="0" err="1">
+                <a:solidFill>
+                  <a:srgbClr val="000000"/>
+                </a:solidFill>
+                <a:effectLst/>
+                <a:latin typeface="Arial" panose="020B0604020202020204" pitchFamily="34" charset="0"/>
+                <a:ea typeface="新細明體" panose="02020500000000000000" pitchFamily="18" charset="-120"/>
+                <a:cs typeface="Times New Roman" panose="02020603050405020304" pitchFamily="18" charset="0"/>
+              </a:rPr>
+              <a:t>Rish</a:t>
+            </a:r>
+            <a:r>
+              <a:rPr lang="en-US" altLang="zh-TW" sz="1050" kern="100" dirty="0">
+                <a:solidFill>
+                  <a:srgbClr val="000000"/>
+                </a:solidFill>
+                <a:effectLst/>
+                <a:latin typeface="Arial" panose="020B0604020202020204" pitchFamily="34" charset="0"/>
+                <a:ea typeface="新細明體" panose="02020500000000000000" pitchFamily="18" charset="-120"/>
+                <a:cs typeface="Times New Roman" panose="02020603050405020304" pitchFamily="18" charset="0"/>
+              </a:rPr>
+              <a:t>, I. (2021, July 19). </a:t>
+            </a:r>
+            <a:r>
+              <a:rPr lang="en-US" altLang="zh-TW" sz="1050" i="1" kern="100" dirty="0">
+                <a:solidFill>
+                  <a:srgbClr val="000000"/>
+                </a:solidFill>
+                <a:effectLst/>
+                <a:latin typeface="Arial" panose="020B0604020202020204" pitchFamily="34" charset="0"/>
+                <a:ea typeface="新細明體" panose="02020500000000000000" pitchFamily="18" charset="-120"/>
+                <a:cs typeface="Times New Roman" panose="02020603050405020304" pitchFamily="18" charset="0"/>
+              </a:rPr>
+              <a:t>Continual Learning with Deep Architectures</a:t>
+            </a:r>
+            <a:r>
+              <a:rPr lang="en-US" altLang="zh-TW" sz="1050" kern="100" dirty="0">
+                <a:solidFill>
+                  <a:srgbClr val="000000"/>
+                </a:solidFill>
+                <a:effectLst/>
+                <a:latin typeface="Arial" panose="020B0604020202020204" pitchFamily="34" charset="0"/>
+                <a:ea typeface="新細明體" panose="02020500000000000000" pitchFamily="18" charset="-120"/>
+                <a:cs typeface="Times New Roman" panose="02020603050405020304" pitchFamily="18" charset="0"/>
+              </a:rPr>
+              <a:t>. Continual Learning with Deep Architectures. </a:t>
+            </a:r>
+            <a:endParaRPr lang="zh-TW" altLang="zh-TW" sz="1050" kern="100" dirty="0">
+              <a:effectLst/>
+              <a:latin typeface="Calibri" panose="020F0502020204030204" pitchFamily="34" charset="0"/>
+              <a:ea typeface="新細明體" panose="02020500000000000000" pitchFamily="18" charset="-120"/>
+              <a:cs typeface="Times New Roman" panose="02020603050405020304" pitchFamily="18" charset="0"/>
+            </a:endParaRPr>
+          </a:p>
+          <a:p>
+            <a:pPr marL="457200">
+              <a:lnSpc>
+                <a:spcPct val="150000"/>
+              </a:lnSpc>
+            </a:pPr>
+            <a:r>
+              <a:rPr lang="en-US" altLang="zh-TW" sz="1050" kern="100" dirty="0">
+                <a:solidFill>
+                  <a:srgbClr val="000000"/>
+                </a:solidFill>
+                <a:effectLst/>
+                <a:latin typeface="Times New Roman" panose="02020603050405020304" pitchFamily="18" charset="0"/>
+                <a:ea typeface="標楷體" panose="03000509000000000000" pitchFamily="65" charset="-120"/>
+                <a:cs typeface="Times New Roman" panose="02020603050405020304" pitchFamily="18" charset="0"/>
+              </a:rPr>
+              <a:t>[5]</a:t>
+            </a:r>
+            <a:r>
+              <a:rPr lang="en-US" altLang="zh-TW" sz="1050" kern="100" dirty="0">
+                <a:solidFill>
+                  <a:srgbClr val="000000"/>
+                </a:solidFill>
+                <a:effectLst/>
+                <a:latin typeface="標楷體" panose="03000509000000000000" pitchFamily="65" charset="-120"/>
+                <a:ea typeface="新細明體" panose="02020500000000000000" pitchFamily="18" charset="-120"/>
+                <a:cs typeface="Times New Roman" panose="02020603050405020304" pitchFamily="18" charset="0"/>
+              </a:rPr>
+              <a:t> </a:t>
+            </a:r>
+            <a:r>
+              <a:rPr lang="en-US" altLang="zh-TW" sz="1050" kern="100" dirty="0">
+                <a:solidFill>
+                  <a:srgbClr val="000000"/>
+                </a:solidFill>
+                <a:effectLst/>
+                <a:latin typeface="Arial" panose="020B0604020202020204" pitchFamily="34" charset="0"/>
+                <a:ea typeface="新細明體" panose="02020500000000000000" pitchFamily="18" charset="-120"/>
+                <a:cs typeface="Times New Roman" panose="02020603050405020304" pitchFamily="18" charset="0"/>
+              </a:rPr>
+              <a:t>Aaron, G. (2014, September 25). </a:t>
+            </a:r>
+            <a:r>
+              <a:rPr lang="en-US" altLang="zh-TW" sz="1050" i="1" kern="100" dirty="0">
+                <a:solidFill>
+                  <a:srgbClr val="000000"/>
+                </a:solidFill>
+                <a:effectLst/>
+                <a:latin typeface="Arial" panose="020B0604020202020204" pitchFamily="34" charset="0"/>
+                <a:ea typeface="新細明體" panose="02020500000000000000" pitchFamily="18" charset="-120"/>
+                <a:cs typeface="Times New Roman" panose="02020603050405020304" pitchFamily="18" charset="0"/>
+              </a:rPr>
+              <a:t>Global Phishing Survey: Trends and Domain Name Use in 1H2014</a:t>
+            </a:r>
+            <a:r>
+              <a:rPr lang="en-US" altLang="zh-TW" sz="1050" kern="100" dirty="0">
+                <a:solidFill>
+                  <a:srgbClr val="000000"/>
+                </a:solidFill>
+                <a:effectLst/>
+                <a:latin typeface="Arial" panose="020B0604020202020204" pitchFamily="34" charset="0"/>
+                <a:ea typeface="新細明體" panose="02020500000000000000" pitchFamily="18" charset="-120"/>
+                <a:cs typeface="Times New Roman" panose="02020603050405020304" pitchFamily="18" charset="0"/>
+              </a:rPr>
+              <a:t>. APWG. </a:t>
+            </a:r>
+          </a:p>
+          <a:p>
+            <a:pPr marL="457200">
+              <a:lnSpc>
+                <a:spcPct val="150000"/>
+              </a:lnSpc>
+            </a:pPr>
+            <a:r>
+              <a:rPr lang="en-US" altLang="zh-TW" sz="1050" kern="100" dirty="0">
+                <a:solidFill>
+                  <a:srgbClr val="000000"/>
+                </a:solidFill>
+                <a:effectLst/>
+                <a:latin typeface="Times New Roman" panose="02020603050405020304" pitchFamily="18" charset="0"/>
+                <a:ea typeface="標楷體" panose="03000509000000000000" pitchFamily="65" charset="-120"/>
+                <a:cs typeface="Times New Roman" panose="02020603050405020304" pitchFamily="18" charset="0"/>
+              </a:rPr>
+              <a:t>[6]</a:t>
+            </a:r>
+            <a:r>
+              <a:rPr lang="en-US" altLang="zh-TW" sz="1050" kern="100" dirty="0">
+                <a:solidFill>
+                  <a:srgbClr val="000000"/>
+                </a:solidFill>
+                <a:effectLst/>
+                <a:latin typeface="標楷體" panose="03000509000000000000" pitchFamily="65" charset="-120"/>
+                <a:ea typeface="新細明體" panose="02020500000000000000" pitchFamily="18" charset="-120"/>
+                <a:cs typeface="Times New Roman" panose="02020603050405020304" pitchFamily="18" charset="0"/>
+              </a:rPr>
+              <a:t> </a:t>
+            </a:r>
+            <a:r>
+              <a:rPr lang="en-US" altLang="zh-TW" sz="1050" kern="100" dirty="0">
+                <a:solidFill>
+                  <a:srgbClr val="000000"/>
+                </a:solidFill>
+                <a:effectLst/>
+                <a:latin typeface="Arial" panose="020B0604020202020204" pitchFamily="34" charset="0"/>
+                <a:ea typeface="新細明體" panose="02020500000000000000" pitchFamily="18" charset="-120"/>
+                <a:cs typeface="Times New Roman" panose="02020603050405020304" pitchFamily="18" charset="0"/>
+              </a:rPr>
+              <a:t>Aaron, G. (2018, July 31). </a:t>
+            </a:r>
+            <a:r>
+              <a:rPr lang="en-US" altLang="zh-TW" sz="1050" i="1" kern="100" dirty="0">
+                <a:solidFill>
+                  <a:srgbClr val="000000"/>
+                </a:solidFill>
+                <a:effectLst/>
+                <a:latin typeface="Arial" panose="020B0604020202020204" pitchFamily="34" charset="0"/>
+                <a:ea typeface="新細明體" panose="02020500000000000000" pitchFamily="18" charset="-120"/>
+                <a:cs typeface="Times New Roman" panose="02020603050405020304" pitchFamily="18" charset="0"/>
+              </a:rPr>
+              <a:t>APWG report</a:t>
+            </a:r>
+            <a:r>
+              <a:rPr lang="en-US" altLang="zh-TW" sz="1050" kern="100" dirty="0">
+                <a:solidFill>
+                  <a:srgbClr val="000000"/>
+                </a:solidFill>
+                <a:effectLst/>
+                <a:latin typeface="Arial" panose="020B0604020202020204" pitchFamily="34" charset="0"/>
+                <a:ea typeface="新細明體" panose="02020500000000000000" pitchFamily="18" charset="-120"/>
+                <a:cs typeface="Times New Roman" panose="02020603050405020304" pitchFamily="18" charset="0"/>
+              </a:rPr>
+              <a:t>. APWG report. </a:t>
+            </a:r>
+          </a:p>
+          <a:p>
+            <a:pPr marL="457200">
+              <a:lnSpc>
+                <a:spcPct val="150000"/>
+              </a:lnSpc>
+            </a:pPr>
+            <a:r>
+              <a:rPr lang="en-US" altLang="zh-TW" sz="1050" kern="100" dirty="0">
+                <a:solidFill>
+                  <a:srgbClr val="000000"/>
+                </a:solidFill>
+                <a:effectLst/>
+                <a:latin typeface="Times New Roman" panose="02020603050405020304" pitchFamily="18" charset="0"/>
+                <a:ea typeface="標楷體" panose="03000509000000000000" pitchFamily="65" charset="-120"/>
+                <a:cs typeface="Times New Roman" panose="02020603050405020304" pitchFamily="18" charset="0"/>
+              </a:rPr>
+              <a:t>[7]</a:t>
+            </a:r>
+            <a:r>
+              <a:rPr lang="en-US" altLang="zh-TW" sz="1050" kern="100" dirty="0">
+                <a:solidFill>
+                  <a:srgbClr val="000000"/>
+                </a:solidFill>
+                <a:effectLst/>
+                <a:latin typeface="Times New Roman" panose="02020603050405020304" pitchFamily="18" charset="0"/>
+                <a:ea typeface="新細明體" panose="02020500000000000000" pitchFamily="18" charset="-120"/>
+                <a:cs typeface="Times New Roman" panose="02020603050405020304" pitchFamily="18" charset="0"/>
+              </a:rPr>
+              <a:t> </a:t>
+            </a:r>
+            <a:r>
+              <a:rPr lang="zh-TW" altLang="zh-TW" sz="1050" kern="100" dirty="0">
+                <a:solidFill>
+                  <a:srgbClr val="000000"/>
+                </a:solidFill>
+                <a:effectLst/>
+                <a:latin typeface="Arial" panose="020B0604020202020204" pitchFamily="34" charset="0"/>
+                <a:ea typeface="新細明體" panose="02020500000000000000" pitchFamily="18" charset="-120"/>
+                <a:cs typeface="Arial" panose="020B0604020202020204" pitchFamily="34" charset="0"/>
+              </a:rPr>
+              <a:t>洪慕藍（</a:t>
+            </a:r>
+            <a:r>
+              <a:rPr lang="en-US" altLang="zh-TW" sz="1050" kern="100" dirty="0">
+                <a:solidFill>
+                  <a:srgbClr val="000000"/>
+                </a:solidFill>
+                <a:effectLst/>
+                <a:latin typeface="Arial" panose="020B0604020202020204" pitchFamily="34" charset="0"/>
+                <a:ea typeface="新細明體" panose="02020500000000000000" pitchFamily="18" charset="-120"/>
+                <a:cs typeface="Times New Roman" panose="02020603050405020304" pitchFamily="18" charset="0"/>
+              </a:rPr>
+              <a:t>2022</a:t>
+            </a:r>
+            <a:r>
+              <a:rPr lang="zh-TW" altLang="zh-TW" sz="1050" kern="100" dirty="0">
+                <a:solidFill>
+                  <a:srgbClr val="000000"/>
+                </a:solidFill>
+                <a:effectLst/>
+                <a:latin typeface="Arial" panose="020B0604020202020204" pitchFamily="34" charset="0"/>
+                <a:ea typeface="新細明體" panose="02020500000000000000" pitchFamily="18" charset="-120"/>
+                <a:cs typeface="Arial" panose="020B0604020202020204" pitchFamily="34" charset="0"/>
+              </a:rPr>
+              <a:t>年</a:t>
+            </a:r>
+            <a:r>
+              <a:rPr lang="en-US" altLang="zh-TW" sz="1050" kern="100" dirty="0">
+                <a:solidFill>
+                  <a:srgbClr val="000000"/>
+                </a:solidFill>
+                <a:effectLst/>
+                <a:latin typeface="Arial" panose="020B0604020202020204" pitchFamily="34" charset="0"/>
+                <a:ea typeface="新細明體" panose="02020500000000000000" pitchFamily="18" charset="-120"/>
+                <a:cs typeface="Times New Roman" panose="02020603050405020304" pitchFamily="18" charset="0"/>
+              </a:rPr>
+              <a:t>1</a:t>
+            </a:r>
+            <a:r>
+              <a:rPr lang="zh-TW" altLang="zh-TW" sz="1050" kern="100" dirty="0">
+                <a:solidFill>
+                  <a:srgbClr val="000000"/>
+                </a:solidFill>
+                <a:effectLst/>
+                <a:latin typeface="Arial" panose="020B0604020202020204" pitchFamily="34" charset="0"/>
+                <a:ea typeface="新細明體" panose="02020500000000000000" pitchFamily="18" charset="-120"/>
+                <a:cs typeface="Arial" panose="020B0604020202020204" pitchFamily="34" charset="0"/>
+              </a:rPr>
+              <a:t>月</a:t>
+            </a:r>
+            <a:r>
+              <a:rPr lang="en-US" altLang="zh-TW" sz="1050" kern="100" dirty="0">
+                <a:solidFill>
+                  <a:srgbClr val="000000"/>
+                </a:solidFill>
+                <a:effectLst/>
+                <a:latin typeface="Arial" panose="020B0604020202020204" pitchFamily="34" charset="0"/>
+                <a:ea typeface="新細明體" panose="02020500000000000000" pitchFamily="18" charset="-120"/>
+                <a:cs typeface="Times New Roman" panose="02020603050405020304" pitchFamily="18" charset="0"/>
+              </a:rPr>
+              <a:t>17</a:t>
+            </a:r>
+            <a:r>
+              <a:rPr lang="zh-TW" altLang="zh-TW" sz="1050" kern="100" dirty="0">
+                <a:solidFill>
+                  <a:srgbClr val="000000"/>
+                </a:solidFill>
+                <a:effectLst/>
+                <a:latin typeface="Arial" panose="020B0604020202020204" pitchFamily="34" charset="0"/>
+                <a:ea typeface="新細明體" panose="02020500000000000000" pitchFamily="18" charset="-120"/>
+                <a:cs typeface="Arial" panose="020B0604020202020204" pitchFamily="34" charset="0"/>
+              </a:rPr>
+              <a:t>日）。以機器學習演算法探討網路釣魚網站之特徵值。南臺科技大學。</a:t>
+            </a:r>
+            <a:endParaRPr lang="en-US" altLang="zh-TW" sz="1050" kern="100" dirty="0">
+              <a:solidFill>
+                <a:srgbClr val="000000"/>
+              </a:solidFill>
+              <a:effectLst/>
+              <a:latin typeface="Arial" panose="020B0604020202020204" pitchFamily="34" charset="0"/>
+              <a:ea typeface="新細明體" panose="02020500000000000000" pitchFamily="18" charset="-120"/>
+              <a:cs typeface="Arial" panose="020B0604020202020204" pitchFamily="34" charset="0"/>
+            </a:endParaRPr>
+          </a:p>
+          <a:p>
+            <a:pPr marL="457200">
+              <a:lnSpc>
+                <a:spcPct val="150000"/>
+              </a:lnSpc>
+            </a:pPr>
+            <a:r>
+              <a:rPr lang="en-US" altLang="zh-TW" sz="1050" kern="100" dirty="0">
+                <a:solidFill>
+                  <a:srgbClr val="000000"/>
+                </a:solidFill>
+                <a:effectLst/>
+                <a:latin typeface="Times New Roman" panose="02020603050405020304" pitchFamily="18" charset="0"/>
+                <a:ea typeface="標楷體" panose="03000509000000000000" pitchFamily="65" charset="-120"/>
+                <a:cs typeface="Times New Roman" panose="02020603050405020304" pitchFamily="18" charset="0"/>
+              </a:rPr>
+              <a:t>[8]</a:t>
+            </a:r>
+            <a:r>
+              <a:rPr lang="en-US" altLang="zh-TW" sz="1050" kern="100" dirty="0">
+                <a:solidFill>
+                  <a:srgbClr val="000000"/>
+                </a:solidFill>
+                <a:effectLst/>
+                <a:latin typeface="標楷體" panose="03000509000000000000" pitchFamily="65" charset="-120"/>
+                <a:ea typeface="新細明體" panose="02020500000000000000" pitchFamily="18" charset="-120"/>
+                <a:cs typeface="Times New Roman" panose="02020603050405020304" pitchFamily="18" charset="0"/>
+              </a:rPr>
+              <a:t> </a:t>
+            </a:r>
+            <a:r>
+              <a:rPr lang="en-US" altLang="zh-TW" sz="1050" kern="100" dirty="0">
+                <a:solidFill>
+                  <a:srgbClr val="000000"/>
+                </a:solidFill>
+                <a:effectLst/>
+                <a:latin typeface="Arial" panose="020B0604020202020204" pitchFamily="34" charset="0"/>
+                <a:ea typeface="新細明體" panose="02020500000000000000" pitchFamily="18" charset="-120"/>
+                <a:cs typeface="Times New Roman" panose="02020603050405020304" pitchFamily="18" charset="0"/>
+              </a:rPr>
+              <a:t>Di </a:t>
+            </a:r>
+            <a:r>
+              <a:rPr lang="en-US" altLang="zh-TW" sz="1050" kern="100" dirty="0" err="1">
+                <a:solidFill>
+                  <a:srgbClr val="000000"/>
+                </a:solidFill>
+                <a:effectLst/>
+                <a:latin typeface="Arial" panose="020B0604020202020204" pitchFamily="34" charset="0"/>
+                <a:ea typeface="新細明體" panose="02020500000000000000" pitchFamily="18" charset="-120"/>
+                <a:cs typeface="Times New Roman" panose="02020603050405020304" pitchFamily="18" charset="0"/>
+              </a:rPr>
+              <a:t>Leom</a:t>
+            </a:r>
+            <a:r>
+              <a:rPr lang="en-US" altLang="zh-TW" sz="1050" kern="100" dirty="0">
+                <a:solidFill>
+                  <a:srgbClr val="000000"/>
+                </a:solidFill>
+                <a:effectLst/>
+                <a:latin typeface="Arial" panose="020B0604020202020204" pitchFamily="34" charset="0"/>
+                <a:ea typeface="新細明體" panose="02020500000000000000" pitchFamily="18" charset="-120"/>
+                <a:cs typeface="Times New Roman" panose="02020603050405020304" pitchFamily="18" charset="0"/>
+              </a:rPr>
+              <a:t>, M. (2023, January 16). </a:t>
+            </a:r>
+            <a:r>
+              <a:rPr lang="en-US" altLang="zh-TW" sz="1050" i="1" kern="100" dirty="0">
+                <a:solidFill>
+                  <a:srgbClr val="000000"/>
+                </a:solidFill>
+                <a:effectLst/>
+                <a:latin typeface="Arial" panose="020B0604020202020204" pitchFamily="34" charset="0"/>
+                <a:ea typeface="新細明體" panose="02020500000000000000" pitchFamily="18" charset="-120"/>
+                <a:cs typeface="Times New Roman" panose="02020603050405020304" pitchFamily="18" charset="0"/>
+              </a:rPr>
+              <a:t>phishing-filter</a:t>
+            </a:r>
+            <a:r>
+              <a:rPr lang="en-US" altLang="zh-TW" sz="1050" kern="100" dirty="0">
+                <a:solidFill>
+                  <a:srgbClr val="000000"/>
+                </a:solidFill>
+                <a:effectLst/>
+                <a:latin typeface="Arial" panose="020B0604020202020204" pitchFamily="34" charset="0"/>
+                <a:ea typeface="新細明體" panose="02020500000000000000" pitchFamily="18" charset="-120"/>
+                <a:cs typeface="Times New Roman" panose="02020603050405020304" pitchFamily="18" charset="0"/>
+              </a:rPr>
+              <a:t>. GitLab. </a:t>
+            </a:r>
+          </a:p>
+          <a:p>
+            <a:pPr marL="457200">
+              <a:lnSpc>
+                <a:spcPct val="150000"/>
+              </a:lnSpc>
+            </a:pPr>
+            <a:r>
+              <a:rPr lang="en-US" altLang="zh-TW" sz="1050" kern="100" dirty="0">
+                <a:solidFill>
+                  <a:srgbClr val="000000"/>
+                </a:solidFill>
+                <a:effectLst/>
+                <a:latin typeface="Times New Roman" panose="02020603050405020304" pitchFamily="18" charset="0"/>
+                <a:ea typeface="標楷體" panose="03000509000000000000" pitchFamily="65" charset="-120"/>
+                <a:cs typeface="Times New Roman" panose="02020603050405020304" pitchFamily="18" charset="0"/>
+              </a:rPr>
+              <a:t>[9]</a:t>
+            </a:r>
+            <a:r>
+              <a:rPr lang="en-US" altLang="zh-TW" sz="1050" kern="100" dirty="0">
+                <a:solidFill>
+                  <a:srgbClr val="000000"/>
+                </a:solidFill>
+                <a:effectLst/>
+                <a:latin typeface="標楷體" panose="03000509000000000000" pitchFamily="65" charset="-120"/>
+                <a:ea typeface="新細明體" panose="02020500000000000000" pitchFamily="18" charset="-120"/>
+                <a:cs typeface="Times New Roman" panose="02020603050405020304" pitchFamily="18" charset="0"/>
+              </a:rPr>
+              <a:t> </a:t>
+            </a:r>
+            <a:r>
+              <a:rPr lang="zh-TW" altLang="zh-TW" sz="1050" kern="100" dirty="0">
+                <a:solidFill>
+                  <a:srgbClr val="000000"/>
+                </a:solidFill>
+                <a:effectLst/>
+                <a:latin typeface="Arial" panose="020B0604020202020204" pitchFamily="34" charset="0"/>
+                <a:ea typeface="新細明體" panose="02020500000000000000" pitchFamily="18" charset="-120"/>
+                <a:cs typeface="Arial" panose="020B0604020202020204" pitchFamily="34" charset="0"/>
+              </a:rPr>
+              <a:t>曾黎明、黃克仲、陳天豪（</a:t>
+            </a:r>
+            <a:r>
+              <a:rPr lang="en-US" altLang="zh-TW" sz="1050" kern="100" dirty="0">
+                <a:solidFill>
+                  <a:srgbClr val="000000"/>
+                </a:solidFill>
+                <a:effectLst/>
+                <a:latin typeface="Arial" panose="020B0604020202020204" pitchFamily="34" charset="0"/>
+                <a:ea typeface="新細明體" panose="02020500000000000000" pitchFamily="18" charset="-120"/>
+                <a:cs typeface="Times New Roman" panose="02020603050405020304" pitchFamily="18" charset="0"/>
+              </a:rPr>
+              <a:t>2007</a:t>
+            </a:r>
+            <a:r>
+              <a:rPr lang="zh-TW" altLang="zh-TW" sz="1050" kern="100" dirty="0">
+                <a:solidFill>
+                  <a:srgbClr val="000000"/>
+                </a:solidFill>
+                <a:effectLst/>
+                <a:latin typeface="Arial" panose="020B0604020202020204" pitchFamily="34" charset="0"/>
+                <a:ea typeface="新細明體" panose="02020500000000000000" pitchFamily="18" charset="-120"/>
+                <a:cs typeface="Arial" panose="020B0604020202020204" pitchFamily="34" charset="0"/>
+              </a:rPr>
+              <a:t>年</a:t>
+            </a:r>
+            <a:r>
+              <a:rPr lang="en-US" altLang="zh-TW" sz="1050" kern="100" dirty="0">
+                <a:solidFill>
+                  <a:srgbClr val="000000"/>
+                </a:solidFill>
+                <a:effectLst/>
+                <a:latin typeface="Arial" panose="020B0604020202020204" pitchFamily="34" charset="0"/>
+                <a:ea typeface="新細明體" panose="02020500000000000000" pitchFamily="18" charset="-120"/>
+                <a:cs typeface="Times New Roman" panose="02020603050405020304" pitchFamily="18" charset="0"/>
+              </a:rPr>
+              <a:t>5</a:t>
+            </a:r>
+            <a:r>
+              <a:rPr lang="zh-TW" altLang="zh-TW" sz="1050" kern="100" dirty="0">
+                <a:solidFill>
+                  <a:srgbClr val="000000"/>
+                </a:solidFill>
+                <a:effectLst/>
+                <a:latin typeface="Arial" panose="020B0604020202020204" pitchFamily="34" charset="0"/>
+                <a:ea typeface="新細明體" panose="02020500000000000000" pitchFamily="18" charset="-120"/>
+                <a:cs typeface="Arial" panose="020B0604020202020204" pitchFamily="34" charset="0"/>
+              </a:rPr>
+              <a:t>月</a:t>
+            </a:r>
+            <a:r>
+              <a:rPr lang="en-US" altLang="zh-TW" sz="1050" kern="100" dirty="0">
+                <a:solidFill>
+                  <a:srgbClr val="000000"/>
+                </a:solidFill>
+                <a:effectLst/>
+                <a:latin typeface="Arial" panose="020B0604020202020204" pitchFamily="34" charset="0"/>
+                <a:ea typeface="新細明體" panose="02020500000000000000" pitchFamily="18" charset="-120"/>
+                <a:cs typeface="Times New Roman" panose="02020603050405020304" pitchFamily="18" charset="0"/>
+              </a:rPr>
+              <a:t>8</a:t>
+            </a:r>
+            <a:r>
+              <a:rPr lang="zh-TW" altLang="zh-TW" sz="1050" kern="100" dirty="0">
+                <a:solidFill>
+                  <a:srgbClr val="000000"/>
+                </a:solidFill>
+                <a:effectLst/>
+                <a:latin typeface="Arial" panose="020B0604020202020204" pitchFamily="34" charset="0"/>
+                <a:ea typeface="新細明體" panose="02020500000000000000" pitchFamily="18" charset="-120"/>
+                <a:cs typeface="Arial" panose="020B0604020202020204" pitchFamily="34" charset="0"/>
+              </a:rPr>
+              <a:t>日）。以</a:t>
+            </a:r>
+            <a:r>
+              <a:rPr lang="en-US" altLang="zh-TW" sz="1050" kern="100" dirty="0">
+                <a:solidFill>
+                  <a:srgbClr val="000000"/>
+                </a:solidFill>
+                <a:effectLst/>
+                <a:latin typeface="Arial" panose="020B0604020202020204" pitchFamily="34" charset="0"/>
+                <a:ea typeface="新細明體" panose="02020500000000000000" pitchFamily="18" charset="-120"/>
+                <a:cs typeface="Times New Roman" panose="02020603050405020304" pitchFamily="18" charset="0"/>
+              </a:rPr>
+              <a:t>URL</a:t>
+            </a:r>
+            <a:r>
+              <a:rPr lang="zh-TW" altLang="zh-TW" sz="1050" kern="100" dirty="0">
+                <a:solidFill>
+                  <a:srgbClr val="000000"/>
+                </a:solidFill>
+                <a:effectLst/>
+                <a:latin typeface="Arial" panose="020B0604020202020204" pitchFamily="34" charset="0"/>
+                <a:ea typeface="新細明體" panose="02020500000000000000" pitchFamily="18" charset="-120"/>
+                <a:cs typeface="Arial" panose="020B0604020202020204" pitchFamily="34" charset="0"/>
+              </a:rPr>
+              <a:t>資訊為基礎之網路釣魚偵測系統。</a:t>
+            </a:r>
+            <a:r>
+              <a:rPr lang="en-US" altLang="zh-TW" sz="1050" kern="100" dirty="0">
+                <a:solidFill>
+                  <a:srgbClr val="000000"/>
+                </a:solidFill>
+                <a:effectLst/>
+                <a:latin typeface="Arial" panose="020B0604020202020204" pitchFamily="34" charset="0"/>
+                <a:ea typeface="新細明體" panose="02020500000000000000" pitchFamily="18" charset="-120"/>
+                <a:cs typeface="Times New Roman" panose="02020603050405020304" pitchFamily="18" charset="0"/>
+              </a:rPr>
+              <a:t>TANET2007</a:t>
+            </a:r>
+            <a:r>
+              <a:rPr lang="zh-TW" altLang="zh-TW" sz="1050" kern="100" dirty="0">
+                <a:solidFill>
+                  <a:srgbClr val="000000"/>
+                </a:solidFill>
+                <a:effectLst/>
+                <a:latin typeface="Arial" panose="020B0604020202020204" pitchFamily="34" charset="0"/>
+                <a:ea typeface="新細明體" panose="02020500000000000000" pitchFamily="18" charset="-120"/>
+                <a:cs typeface="Arial" panose="020B0604020202020204" pitchFamily="34" charset="0"/>
+              </a:rPr>
+              <a:t>臺灣網際網路研討會論文集。</a:t>
+            </a:r>
+            <a:endParaRPr lang="en-US" altLang="zh-TW" sz="1050" kern="100" dirty="0">
+              <a:solidFill>
+                <a:srgbClr val="000000"/>
+              </a:solidFill>
+              <a:effectLst/>
+              <a:latin typeface="Arial" panose="020B0604020202020204" pitchFamily="34" charset="0"/>
+              <a:ea typeface="新細明體" panose="02020500000000000000" pitchFamily="18" charset="-120"/>
+              <a:cs typeface="Arial" panose="020B0604020202020204" pitchFamily="34" charset="0"/>
+            </a:endParaRPr>
+          </a:p>
+          <a:p>
+            <a:pPr marL="457200">
+              <a:lnSpc>
+                <a:spcPct val="150000"/>
+              </a:lnSpc>
+            </a:pPr>
+            <a:r>
+              <a:rPr lang="en-US" altLang="zh-TW" sz="1050" u="sng" kern="100" dirty="0">
+                <a:solidFill>
+                  <a:srgbClr val="1155CC"/>
+                </a:solidFill>
+                <a:effectLst/>
+                <a:latin typeface="Arial" panose="020B0604020202020204" pitchFamily="34" charset="0"/>
+                <a:ea typeface="新細明體" panose="02020500000000000000" pitchFamily="18" charset="-120"/>
+                <a:cs typeface="Times New Roman" panose="02020603050405020304" pitchFamily="18" charset="0"/>
+              </a:rPr>
+              <a:t> </a:t>
+            </a:r>
+            <a:r>
+              <a:rPr lang="en-US" altLang="zh-TW" sz="1050" kern="100" dirty="0">
+                <a:solidFill>
+                  <a:srgbClr val="000000"/>
+                </a:solidFill>
+                <a:effectLst/>
+                <a:latin typeface="Times New Roman" panose="02020603050405020304" pitchFamily="18" charset="0"/>
+                <a:ea typeface="標楷體" panose="03000509000000000000" pitchFamily="65" charset="-120"/>
+                <a:cs typeface="Times New Roman" panose="02020603050405020304" pitchFamily="18" charset="0"/>
+              </a:rPr>
+              <a:t>[10]</a:t>
+            </a:r>
+            <a:r>
+              <a:rPr lang="en-US" altLang="zh-TW" sz="1050" kern="100" dirty="0">
+                <a:solidFill>
+                  <a:srgbClr val="000000"/>
+                </a:solidFill>
+                <a:effectLst/>
+                <a:latin typeface="Arial" panose="020B0604020202020204" pitchFamily="34" charset="0"/>
+                <a:ea typeface="新細明體" panose="02020500000000000000" pitchFamily="18" charset="-120"/>
+                <a:cs typeface="Times New Roman" panose="02020603050405020304" pitchFamily="18" charset="0"/>
+              </a:rPr>
+              <a:t> Zhang, Y., Hong, J. I., &amp; </a:t>
+            </a:r>
+            <a:r>
+              <a:rPr lang="en-US" altLang="zh-TW" sz="1050" kern="100" dirty="0" err="1">
+                <a:solidFill>
+                  <a:srgbClr val="000000"/>
+                </a:solidFill>
+                <a:effectLst/>
+                <a:latin typeface="Arial" panose="020B0604020202020204" pitchFamily="34" charset="0"/>
+                <a:ea typeface="新細明體" panose="02020500000000000000" pitchFamily="18" charset="-120"/>
+                <a:cs typeface="Times New Roman" panose="02020603050405020304" pitchFamily="18" charset="0"/>
+              </a:rPr>
+              <a:t>Cranor</a:t>
+            </a:r>
+            <a:r>
+              <a:rPr lang="en-US" altLang="zh-TW" sz="1050" kern="100" dirty="0">
+                <a:solidFill>
+                  <a:srgbClr val="000000"/>
+                </a:solidFill>
+                <a:effectLst/>
+                <a:latin typeface="Arial" panose="020B0604020202020204" pitchFamily="34" charset="0"/>
+                <a:ea typeface="新細明體" panose="02020500000000000000" pitchFamily="18" charset="-120"/>
+                <a:cs typeface="Times New Roman" panose="02020603050405020304" pitchFamily="18" charset="0"/>
+              </a:rPr>
+              <a:t>, L. F.. (2007). </a:t>
+            </a:r>
+            <a:r>
+              <a:rPr lang="en-US" altLang="zh-TW" sz="1050" i="1" kern="100" dirty="0">
+                <a:solidFill>
+                  <a:srgbClr val="000000"/>
+                </a:solidFill>
+                <a:effectLst/>
+                <a:latin typeface="Arial" panose="020B0604020202020204" pitchFamily="34" charset="0"/>
+                <a:ea typeface="新細明體" panose="02020500000000000000" pitchFamily="18" charset="-120"/>
+                <a:cs typeface="Times New Roman" panose="02020603050405020304" pitchFamily="18" charset="0"/>
+              </a:rPr>
+              <a:t>Cantina: a content-based approach to detecting phishing web sites</a:t>
+            </a:r>
+            <a:r>
+              <a:rPr lang="en-US" altLang="zh-TW" sz="1050" kern="100" dirty="0">
+                <a:solidFill>
+                  <a:srgbClr val="000000"/>
+                </a:solidFill>
+                <a:effectLst/>
+                <a:latin typeface="Arial" panose="020B0604020202020204" pitchFamily="34" charset="0"/>
+                <a:ea typeface="新細明體" panose="02020500000000000000" pitchFamily="18" charset="-120"/>
+                <a:cs typeface="Times New Roman" panose="02020603050405020304" pitchFamily="18" charset="0"/>
+              </a:rPr>
+              <a:t>. </a:t>
+            </a:r>
+            <a:endParaRPr lang="zh-TW" altLang="zh-TW" sz="1050" kern="100" dirty="0">
+              <a:effectLst/>
+              <a:latin typeface="Calibri" panose="020F0502020204030204" pitchFamily="34" charset="0"/>
+              <a:ea typeface="新細明體" panose="02020500000000000000" pitchFamily="18" charset="-120"/>
+              <a:cs typeface="Times New Roman" panose="02020603050405020304" pitchFamily="18" charset="0"/>
+            </a:endParaRPr>
+          </a:p>
+          <a:p>
+            <a:pPr marL="457200">
+              <a:lnSpc>
+                <a:spcPct val="150000"/>
+              </a:lnSpc>
+            </a:pPr>
+            <a:r>
+              <a:rPr lang="en-US" altLang="zh-TW" sz="1050" kern="100" dirty="0">
+                <a:solidFill>
+                  <a:srgbClr val="000000"/>
+                </a:solidFill>
+                <a:effectLst/>
+                <a:latin typeface="Times New Roman" panose="02020603050405020304" pitchFamily="18" charset="0"/>
+                <a:ea typeface="標楷體" panose="03000509000000000000" pitchFamily="65" charset="-120"/>
+                <a:cs typeface="Times New Roman" panose="02020603050405020304" pitchFamily="18" charset="0"/>
+              </a:rPr>
+              <a:t>[11]</a:t>
+            </a:r>
+            <a:r>
+              <a:rPr lang="en-US" altLang="zh-TW" sz="1050" kern="100" dirty="0">
+                <a:solidFill>
+                  <a:srgbClr val="000000"/>
+                </a:solidFill>
+                <a:effectLst/>
+                <a:latin typeface="Arial" panose="020B0604020202020204" pitchFamily="34" charset="0"/>
+                <a:ea typeface="新細明體" panose="02020500000000000000" pitchFamily="18" charset="-120"/>
+                <a:cs typeface="Times New Roman" panose="02020603050405020304" pitchFamily="18" charset="0"/>
+              </a:rPr>
+              <a:t> </a:t>
+            </a:r>
+            <a:r>
+              <a:rPr lang="en-US" altLang="zh-TW" sz="1050" kern="100" dirty="0" err="1">
+                <a:solidFill>
+                  <a:srgbClr val="000000"/>
+                </a:solidFill>
+                <a:effectLst/>
+                <a:latin typeface="Arial" panose="020B0604020202020204" pitchFamily="34" charset="0"/>
+                <a:ea typeface="新細明體" panose="02020500000000000000" pitchFamily="18" charset="-120"/>
+                <a:cs typeface="Times New Roman" panose="02020603050405020304" pitchFamily="18" charset="0"/>
+              </a:rPr>
+              <a:t>Moghimi</a:t>
+            </a:r>
+            <a:r>
+              <a:rPr lang="en-US" altLang="zh-TW" sz="1050" kern="100" dirty="0">
+                <a:solidFill>
+                  <a:srgbClr val="000000"/>
+                </a:solidFill>
+                <a:effectLst/>
+                <a:latin typeface="Arial" panose="020B0604020202020204" pitchFamily="34" charset="0"/>
+                <a:ea typeface="新細明體" panose="02020500000000000000" pitchFamily="18" charset="-120"/>
+                <a:cs typeface="Times New Roman" panose="02020603050405020304" pitchFamily="18" charset="0"/>
+              </a:rPr>
+              <a:t>, M., &amp; </a:t>
+            </a:r>
+            <a:r>
+              <a:rPr lang="en-US" altLang="zh-TW" sz="1050" kern="100" dirty="0" err="1">
+                <a:solidFill>
+                  <a:srgbClr val="000000"/>
+                </a:solidFill>
+                <a:effectLst/>
+                <a:latin typeface="Arial" panose="020B0604020202020204" pitchFamily="34" charset="0"/>
+                <a:ea typeface="新細明體" panose="02020500000000000000" pitchFamily="18" charset="-120"/>
+                <a:cs typeface="Times New Roman" panose="02020603050405020304" pitchFamily="18" charset="0"/>
+              </a:rPr>
+              <a:t>Varjani</a:t>
+            </a:r>
+            <a:r>
+              <a:rPr lang="en-US" altLang="zh-TW" sz="1050" kern="100" dirty="0">
+                <a:solidFill>
+                  <a:srgbClr val="000000"/>
+                </a:solidFill>
+                <a:effectLst/>
+                <a:latin typeface="Arial" panose="020B0604020202020204" pitchFamily="34" charset="0"/>
+                <a:ea typeface="新細明體" panose="02020500000000000000" pitchFamily="18" charset="-120"/>
+                <a:cs typeface="Times New Roman" panose="02020603050405020304" pitchFamily="18" charset="0"/>
+              </a:rPr>
+              <a:t>, A. Y. (2016). New rule-based phishing detection method. Expert Systems with Applications, 53, 231-242. </a:t>
+            </a:r>
+            <a:endParaRPr lang="zh-TW" altLang="zh-TW" sz="1050" kern="100" dirty="0">
+              <a:effectLst/>
+              <a:latin typeface="Calibri" panose="020F0502020204030204" pitchFamily="34" charset="0"/>
+              <a:ea typeface="新細明體" panose="02020500000000000000" pitchFamily="18" charset="-120"/>
+              <a:cs typeface="Times New Roman" panose="02020603050405020304" pitchFamily="18" charset="0"/>
+            </a:endParaRPr>
+          </a:p>
+          <a:p>
+            <a:pPr marL="457200">
+              <a:lnSpc>
+                <a:spcPct val="150000"/>
+              </a:lnSpc>
+            </a:pPr>
+            <a:r>
+              <a:rPr lang="en-US" altLang="zh-TW" sz="1050" kern="100" dirty="0">
+                <a:solidFill>
+                  <a:srgbClr val="000000"/>
+                </a:solidFill>
+                <a:effectLst/>
+                <a:latin typeface="Times New Roman" panose="02020603050405020304" pitchFamily="18" charset="0"/>
+                <a:ea typeface="標楷體" panose="03000509000000000000" pitchFamily="65" charset="-120"/>
+                <a:cs typeface="Times New Roman" panose="02020603050405020304" pitchFamily="18" charset="0"/>
+              </a:rPr>
+              <a:t>[14]</a:t>
+            </a:r>
+            <a:r>
+              <a:rPr lang="en-US" altLang="zh-TW" sz="1050" kern="100" dirty="0">
+                <a:solidFill>
+                  <a:srgbClr val="000000"/>
+                </a:solidFill>
+                <a:effectLst/>
+                <a:latin typeface="Arial" panose="020B0604020202020204" pitchFamily="34" charset="0"/>
+                <a:ea typeface="新細明體" panose="02020500000000000000" pitchFamily="18" charset="-120"/>
+                <a:cs typeface="Times New Roman" panose="02020603050405020304" pitchFamily="18" charset="0"/>
+              </a:rPr>
+              <a:t> </a:t>
+            </a:r>
+            <a:r>
+              <a:rPr lang="en-US" altLang="zh-TW" sz="1050" kern="100" dirty="0" err="1">
+                <a:solidFill>
+                  <a:srgbClr val="000000"/>
+                </a:solidFill>
+                <a:effectLst/>
+                <a:latin typeface="Arial" panose="020B0604020202020204" pitchFamily="34" charset="0"/>
+                <a:ea typeface="新細明體" panose="02020500000000000000" pitchFamily="18" charset="-120"/>
+                <a:cs typeface="Times New Roman" panose="02020603050405020304" pitchFamily="18" charset="0"/>
+              </a:rPr>
+              <a:t>Sundari</a:t>
+            </a:r>
+            <a:r>
+              <a:rPr lang="en-US" altLang="zh-TW" sz="1050" kern="100" dirty="0">
+                <a:solidFill>
+                  <a:srgbClr val="000000"/>
+                </a:solidFill>
+                <a:effectLst/>
+                <a:latin typeface="Arial" panose="020B0604020202020204" pitchFamily="34" charset="0"/>
+                <a:ea typeface="新細明體" panose="02020500000000000000" pitchFamily="18" charset="-120"/>
+                <a:cs typeface="Times New Roman" panose="02020603050405020304" pitchFamily="18" charset="0"/>
+              </a:rPr>
+              <a:t>, S. G. (2020, May 11). </a:t>
+            </a:r>
+            <a:r>
+              <a:rPr lang="en-US" altLang="zh-TW" sz="1050" i="1" kern="100" dirty="0">
+                <a:solidFill>
+                  <a:srgbClr val="000000"/>
+                </a:solidFill>
+                <a:effectLst/>
+                <a:latin typeface="Arial" panose="020B0604020202020204" pitchFamily="34" charset="0"/>
+                <a:ea typeface="新細明體" panose="02020500000000000000" pitchFamily="18" charset="-120"/>
+                <a:cs typeface="Times New Roman" panose="02020603050405020304" pitchFamily="18" charset="0"/>
+              </a:rPr>
+              <a:t>Phishing Website Detection by Machine Learning Techniques</a:t>
+            </a:r>
+            <a:r>
+              <a:rPr lang="en-US" altLang="zh-TW" sz="1050" kern="100" dirty="0">
+                <a:solidFill>
+                  <a:srgbClr val="000000"/>
+                </a:solidFill>
+                <a:effectLst/>
+                <a:latin typeface="Arial" panose="020B0604020202020204" pitchFamily="34" charset="0"/>
+                <a:ea typeface="新細明體" panose="02020500000000000000" pitchFamily="18" charset="-120"/>
+                <a:cs typeface="Times New Roman" panose="02020603050405020304" pitchFamily="18" charset="0"/>
+              </a:rPr>
+              <a:t>. GitHub. </a:t>
+            </a:r>
+          </a:p>
+          <a:p>
+            <a:pPr marL="457200">
+              <a:lnSpc>
+                <a:spcPct val="150000"/>
+              </a:lnSpc>
+            </a:pPr>
+            <a:r>
+              <a:rPr lang="en-US" altLang="zh-TW" sz="1050" kern="100" dirty="0">
+                <a:solidFill>
+                  <a:srgbClr val="000000"/>
+                </a:solidFill>
+                <a:effectLst/>
+                <a:latin typeface="Times New Roman" panose="02020603050405020304" pitchFamily="18" charset="0"/>
+                <a:ea typeface="標楷體" panose="03000509000000000000" pitchFamily="65" charset="-120"/>
+                <a:cs typeface="Times New Roman" panose="02020603050405020304" pitchFamily="18" charset="0"/>
+              </a:rPr>
+              <a:t>[15]</a:t>
+            </a:r>
+            <a:r>
+              <a:rPr lang="en-US" altLang="zh-TW" sz="1050" kern="100" dirty="0">
+                <a:solidFill>
+                  <a:srgbClr val="000000"/>
+                </a:solidFill>
+                <a:effectLst/>
+                <a:latin typeface="Arial" panose="020B0604020202020204" pitchFamily="34" charset="0"/>
+                <a:ea typeface="新細明體" panose="02020500000000000000" pitchFamily="18" charset="-120"/>
+                <a:cs typeface="Times New Roman" panose="02020603050405020304" pitchFamily="18" charset="0"/>
+              </a:rPr>
+              <a:t> von Oswald, J., Henning, C., </a:t>
+            </a:r>
+            <a:r>
+              <a:rPr lang="en-US" altLang="zh-TW" sz="1050" kern="100" dirty="0" err="1">
+                <a:solidFill>
+                  <a:srgbClr val="000000"/>
+                </a:solidFill>
+                <a:effectLst/>
+                <a:latin typeface="Arial" panose="020B0604020202020204" pitchFamily="34" charset="0"/>
+                <a:ea typeface="新細明體" panose="02020500000000000000" pitchFamily="18" charset="-120"/>
+                <a:cs typeface="Times New Roman" panose="02020603050405020304" pitchFamily="18" charset="0"/>
+              </a:rPr>
+              <a:t>Grewe</a:t>
+            </a:r>
+            <a:r>
+              <a:rPr lang="en-US" altLang="zh-TW" sz="1050" kern="100" dirty="0">
+                <a:solidFill>
+                  <a:srgbClr val="000000"/>
+                </a:solidFill>
+                <a:effectLst/>
+                <a:latin typeface="Arial" panose="020B0604020202020204" pitchFamily="34" charset="0"/>
+                <a:ea typeface="新細明體" panose="02020500000000000000" pitchFamily="18" charset="-120"/>
+                <a:cs typeface="Times New Roman" panose="02020603050405020304" pitchFamily="18" charset="0"/>
+              </a:rPr>
+              <a:t>, B. F., &amp; Sacramento, J. (2022, April 11). </a:t>
+            </a:r>
+            <a:r>
+              <a:rPr lang="en-US" altLang="zh-TW" sz="1050" i="1" kern="100" dirty="0">
+                <a:solidFill>
+                  <a:srgbClr val="000000"/>
+                </a:solidFill>
+                <a:effectLst/>
+                <a:latin typeface="Arial" panose="020B0604020202020204" pitchFamily="34" charset="0"/>
+                <a:ea typeface="新細明體" panose="02020500000000000000" pitchFamily="18" charset="-120"/>
+                <a:cs typeface="Times New Roman" panose="02020603050405020304" pitchFamily="18" charset="0"/>
+              </a:rPr>
+              <a:t>Continual learning with hypernetworks</a:t>
+            </a:r>
+            <a:r>
+              <a:rPr lang="en-US" altLang="zh-TW" sz="1050" kern="100" dirty="0">
+                <a:solidFill>
+                  <a:srgbClr val="000000"/>
+                </a:solidFill>
+                <a:effectLst/>
+                <a:latin typeface="Arial" panose="020B0604020202020204" pitchFamily="34" charset="0"/>
+                <a:ea typeface="新細明體" panose="02020500000000000000" pitchFamily="18" charset="-120"/>
+                <a:cs typeface="Times New Roman" panose="02020603050405020304" pitchFamily="18" charset="0"/>
+              </a:rPr>
+              <a:t>. </a:t>
+            </a:r>
+            <a:r>
+              <a:rPr lang="en-US" altLang="zh-TW" sz="1050" kern="100" dirty="0" err="1">
+                <a:solidFill>
+                  <a:srgbClr val="000000"/>
+                </a:solidFill>
+                <a:effectLst/>
+                <a:latin typeface="Arial" panose="020B0604020202020204" pitchFamily="34" charset="0"/>
+                <a:ea typeface="新細明體" panose="02020500000000000000" pitchFamily="18" charset="-120"/>
+                <a:cs typeface="Times New Roman" panose="02020603050405020304" pitchFamily="18" charset="0"/>
+              </a:rPr>
+              <a:t>arXiv</a:t>
+            </a:r>
+            <a:r>
+              <a:rPr lang="en-US" altLang="zh-TW" sz="1050" kern="100" dirty="0">
+                <a:solidFill>
+                  <a:srgbClr val="000000"/>
+                </a:solidFill>
+                <a:effectLst/>
+                <a:latin typeface="Arial" panose="020B0604020202020204" pitchFamily="34" charset="0"/>
+                <a:ea typeface="新細明體" panose="02020500000000000000" pitchFamily="18" charset="-120"/>
+                <a:cs typeface="Times New Roman" panose="02020603050405020304" pitchFamily="18" charset="0"/>
+              </a:rPr>
+              <a:t>. </a:t>
+            </a:r>
+          </a:p>
+          <a:p>
+            <a:pPr marL="457200">
+              <a:lnSpc>
+                <a:spcPct val="150000"/>
+              </a:lnSpc>
+            </a:pPr>
+            <a:r>
+              <a:rPr lang="en-US" altLang="zh-TW" sz="1050">
+                <a:solidFill>
+                  <a:srgbClr val="000000"/>
+                </a:solidFill>
+                <a:effectLst/>
+                <a:latin typeface="Times New Roman" panose="02020603050405020304" pitchFamily="18" charset="0"/>
+                <a:ea typeface="標楷體" panose="03000509000000000000" pitchFamily="65" charset="-120"/>
+              </a:rPr>
+              <a:t>[16]</a:t>
+            </a:r>
+            <a:r>
+              <a:rPr lang="en-US" altLang="zh-TW" sz="1050">
+                <a:solidFill>
+                  <a:srgbClr val="000000"/>
+                </a:solidFill>
+                <a:effectLst/>
+                <a:latin typeface="Arial" panose="020B0604020202020204" pitchFamily="34" charset="0"/>
+                <a:ea typeface="新細明體" panose="02020500000000000000" pitchFamily="18" charset="-120"/>
+              </a:rPr>
+              <a:t> </a:t>
+            </a:r>
+            <a:r>
+              <a:rPr lang="en-US" altLang="zh-TW" sz="1050" dirty="0">
+                <a:solidFill>
+                  <a:srgbClr val="000000"/>
+                </a:solidFill>
+                <a:effectLst/>
+                <a:latin typeface="Arial" panose="020B0604020202020204" pitchFamily="34" charset="0"/>
+                <a:ea typeface="新細明體" panose="02020500000000000000" pitchFamily="18" charset="-120"/>
+              </a:rPr>
+              <a:t>German I. </a:t>
+            </a:r>
+            <a:r>
+              <a:rPr lang="en-US" altLang="zh-TW" sz="1050" dirty="0" err="1">
+                <a:solidFill>
+                  <a:srgbClr val="000000"/>
+                </a:solidFill>
+                <a:effectLst/>
+                <a:latin typeface="Arial" panose="020B0604020202020204" pitchFamily="34" charset="0"/>
+                <a:ea typeface="新細明體" panose="02020500000000000000" pitchFamily="18" charset="-120"/>
+              </a:rPr>
+              <a:t>Parisi</a:t>
+            </a:r>
+            <a:r>
+              <a:rPr lang="en-US" altLang="zh-TW" sz="1050" dirty="0">
+                <a:solidFill>
+                  <a:srgbClr val="000000"/>
+                </a:solidFill>
+                <a:effectLst/>
+                <a:latin typeface="Arial" panose="020B0604020202020204" pitchFamily="34" charset="0"/>
+                <a:ea typeface="新細明體" panose="02020500000000000000" pitchFamily="18" charset="-120"/>
+              </a:rPr>
+              <a:t> , Ronald </a:t>
+            </a:r>
+            <a:r>
+              <a:rPr lang="en-US" altLang="zh-TW" sz="1050" dirty="0" err="1">
+                <a:solidFill>
+                  <a:srgbClr val="000000"/>
+                </a:solidFill>
+                <a:effectLst/>
+                <a:latin typeface="Arial" panose="020B0604020202020204" pitchFamily="34" charset="0"/>
+                <a:ea typeface="新細明體" panose="02020500000000000000" pitchFamily="18" charset="-120"/>
+              </a:rPr>
+              <a:t>Kemker</a:t>
+            </a:r>
+            <a:r>
+              <a:rPr lang="en-US" altLang="zh-TW" sz="1050" dirty="0">
+                <a:solidFill>
+                  <a:srgbClr val="000000"/>
+                </a:solidFill>
+                <a:effectLst/>
+                <a:latin typeface="Arial" panose="020B0604020202020204" pitchFamily="34" charset="0"/>
+                <a:ea typeface="新細明體" panose="02020500000000000000" pitchFamily="18" charset="-120"/>
+              </a:rPr>
+              <a:t> , Jose L. Part , Christopher </a:t>
+            </a:r>
+            <a:r>
+              <a:rPr lang="en-US" altLang="zh-TW" sz="1050" dirty="0" err="1">
+                <a:solidFill>
+                  <a:srgbClr val="000000"/>
+                </a:solidFill>
+                <a:effectLst/>
+                <a:latin typeface="Arial" panose="020B0604020202020204" pitchFamily="34" charset="0"/>
+                <a:ea typeface="新細明體" panose="02020500000000000000" pitchFamily="18" charset="-120"/>
+              </a:rPr>
+              <a:t>Kanan</a:t>
+            </a:r>
+            <a:r>
+              <a:rPr lang="en-US" altLang="zh-TW" sz="1050" dirty="0">
+                <a:solidFill>
+                  <a:srgbClr val="000000"/>
+                </a:solidFill>
+                <a:effectLst/>
+                <a:latin typeface="Arial" panose="020B0604020202020204" pitchFamily="34" charset="0"/>
+                <a:ea typeface="新細明體" panose="02020500000000000000" pitchFamily="18" charset="-120"/>
+              </a:rPr>
+              <a:t> , Stefan </a:t>
+            </a:r>
+            <a:r>
+              <a:rPr lang="en-US" altLang="zh-TW" sz="1050" dirty="0" err="1">
+                <a:solidFill>
+                  <a:srgbClr val="000000"/>
+                </a:solidFill>
+                <a:effectLst/>
+                <a:latin typeface="Arial" panose="020B0604020202020204" pitchFamily="34" charset="0"/>
+                <a:ea typeface="新細明體" panose="02020500000000000000" pitchFamily="18" charset="-120"/>
+              </a:rPr>
+              <a:t>Wermter</a:t>
+            </a:r>
+            <a:r>
+              <a:rPr lang="en-US" altLang="zh-TW" sz="1050" dirty="0">
+                <a:solidFill>
+                  <a:srgbClr val="000000"/>
+                </a:solidFill>
+                <a:effectLst/>
+                <a:latin typeface="Arial" panose="020B0604020202020204" pitchFamily="34" charset="0"/>
+                <a:ea typeface="新細明體" panose="02020500000000000000" pitchFamily="18" charset="-120"/>
+              </a:rPr>
+              <a:t> (May 2019) Continual lifelong learning with neural networks: A review. </a:t>
+            </a:r>
+            <a:endParaRPr lang="zh-TW" altLang="en-US" sz="1200" dirty="0"/>
+          </a:p>
+        </p:txBody>
+      </p:sp>
+      <p:sp>
+        <p:nvSpPr>
+          <p:cNvPr id="4" name="投影片編號版面配置區 3">
+            <a:extLst>
+              <a:ext uri="{FF2B5EF4-FFF2-40B4-BE49-F238E27FC236}">
+                <a16:creationId xmlns:a16="http://schemas.microsoft.com/office/drawing/2014/main" id="{E9B08B32-5EF3-48AE-9964-BD9F4340B481}"/>
+              </a:ext>
+            </a:extLst>
+          </p:cNvPr>
+          <p:cNvSpPr>
+            <a:spLocks noGrp="1"/>
+          </p:cNvSpPr>
+          <p:nvPr>
+            <p:ph type="sldNum" sz="quarter" idx="11"/>
+          </p:nvPr>
+        </p:nvSpPr>
+        <p:spPr/>
+        <p:txBody>
+          <a:bodyPr/>
+          <a:lstStyle/>
+          <a:p>
+            <a:pPr rtl="0"/>
+            <a:fld id="{75DF2D63-3FF5-D547-96B9-BE9CCD1ABA58}" type="slidenum">
+              <a:rPr lang="en-US" altLang="zh-TW" smtClean="0"/>
+              <a:t>12</a:t>
+            </a:fld>
+            <a:endParaRPr lang="zh-TW" dirty="0"/>
+          </a:p>
+        </p:txBody>
+      </p:sp>
+      <p:sp>
+        <p:nvSpPr>
+          <p:cNvPr id="5" name="頁尾版面配置區 4">
+            <a:extLst>
+              <a:ext uri="{FF2B5EF4-FFF2-40B4-BE49-F238E27FC236}">
+                <a16:creationId xmlns:a16="http://schemas.microsoft.com/office/drawing/2014/main" id="{5B4A1719-FFAC-4385-884F-45C10C4066FC}"/>
+              </a:ext>
+            </a:extLst>
+          </p:cNvPr>
+          <p:cNvSpPr>
+            <a:spLocks noGrp="1"/>
+          </p:cNvSpPr>
+          <p:nvPr>
+            <p:ph type="ftr" sz="quarter" idx="12"/>
+          </p:nvPr>
+        </p:nvSpPr>
+        <p:spPr/>
+        <p:txBody>
+          <a:bodyPr/>
+          <a:lstStyle/>
+          <a:p>
+            <a:pPr algn="r"/>
+            <a:r>
+              <a:rPr lang="zh-TW"/>
+              <a:t>簡報標題</a:t>
+            </a:r>
+            <a:endParaRPr lang="zh-TW" dirty="0"/>
+          </a:p>
+        </p:txBody>
+      </p:sp>
+    </p:spTree>
+    <p:extLst>
+      <p:ext uri="{BB962C8B-B14F-4D97-AF65-F5344CB8AC3E}">
+        <p14:creationId xmlns:p14="http://schemas.microsoft.com/office/powerpoint/2010/main" val="292731856"/>
       </p:ext>
     </p:extLst>
   </p:cSld>
@@ -15401,15 +16871,6 @@
 </file>
 
 <file path=customXml/item1.xml><?xml version="1.0" encoding="utf-8"?>
-<?mso-contentType ?>
-<FormTemplates xmlns="http://schemas.microsoft.com/sharepoint/v3/contenttype/forms">
-  <Display>DocumentLibraryForm</Display>
-  <Edit>DocumentLibraryForm</Edit>
-  <New>DocumentLibraryForm</New>
-</FormTemplates>
-</file>
-
-<file path=customXml/item2.xml><?xml version="1.0" encoding="utf-8"?>
 <ct:contentTypeSchema xmlns:ct="http://schemas.microsoft.com/office/2006/metadata/contentType" xmlns:ma="http://schemas.microsoft.com/office/2006/metadata/properties/metaAttributes" ct:_="" ma:_="" ma:contentTypeName="Document" ma:contentTypeID="0x01010079F111ED35F8CC479449609E8A0923A6" ma:contentTypeVersion="25" ma:contentTypeDescription="Create a new document." ma:contentTypeScope="" ma:versionID="e02306daf00165b375dc6a58966960be">
   <xsd:schema xmlns:xsd="http://www.w3.org/2001/XMLSchema" xmlns:xs="http://www.w3.org/2001/XMLSchema" xmlns:p="http://schemas.microsoft.com/office/2006/metadata/properties" xmlns:ns1="http://schemas.microsoft.com/sharepoint/v3" xmlns:ns2="71af3243-3dd4-4a8d-8c0d-dd76da1f02a5" xmlns:ns3="16c05727-aa75-4e4a-9b5f-8a80a1165891" xmlns:ns4="230e9df3-be65-4c73-a93b-d1236ebd677e" targetNamespace="http://schemas.microsoft.com/office/2006/metadata/properties" ma:root="true" ma:fieldsID="df88fb76bf5f555224557953949c1ec9" ns1:_="" ns2:_="" ns3:_="" ns4:_="">
     <xsd:import namespace="http://schemas.microsoft.com/sharepoint/v3"/>
@@ -15703,6 +17164,15 @@
 </ct:contentTypeSchema>
 </file>
 
+<file path=customXml/item2.xml><?xml version="1.0" encoding="utf-8"?>
+<?mso-contentType ?>
+<FormTemplates xmlns="http://schemas.microsoft.com/sharepoint/v3/contenttype/forms">
+  <Display>DocumentLibraryForm</Display>
+  <Edit>DocumentLibraryForm</Edit>
+  <New>DocumentLibraryForm</New>
+</FormTemplates>
+</file>
+
 <file path=customXml/item3.xml><?xml version="1.0" encoding="utf-8"?>
 <p:properties xmlns:p="http://schemas.microsoft.com/office/2006/metadata/properties" xmlns:xsi="http://www.w3.org/2001/XMLSchema-instance" xmlns:pc="http://schemas.microsoft.com/office/infopath/2007/PartnerControls">
   <documentManagement>
@@ -15724,14 +17194,6 @@
 </file>
 
 <file path=customXml/itemProps1.xml><?xml version="1.0" encoding="utf-8"?>
-<ds:datastoreItem xmlns:ds="http://schemas.openxmlformats.org/officeDocument/2006/customXml" ds:itemID="{0E8B3377-22F1-4153-96F0-CC2E4BE41C57}">
-  <ds:schemaRefs>
-    <ds:schemaRef ds:uri="http://schemas.microsoft.com/sharepoint/v3/contenttype/forms"/>
-  </ds:schemaRefs>
-</ds:datastoreItem>
-</file>
-
-<file path=customXml/itemProps2.xml><?xml version="1.0" encoding="utf-8"?>
 <ds:datastoreItem xmlns:ds="http://schemas.openxmlformats.org/officeDocument/2006/customXml" ds:itemID="{2EB2FABB-45EC-440E-B647-8CA57BA45ACA}">
   <ds:schemaRefs>
     <ds:schemaRef ds:uri="http://schemas.microsoft.com/office/2006/metadata/contentType"/>
@@ -15752,6 +17214,14 @@
 </ds:datastoreItem>
 </file>
 
+<file path=customXml/itemProps2.xml><?xml version="1.0" encoding="utf-8"?>
+<ds:datastoreItem xmlns:ds="http://schemas.openxmlformats.org/officeDocument/2006/customXml" ds:itemID="{0E8B3377-22F1-4153-96F0-CC2E4BE41C57}">
+  <ds:schemaRefs>
+    <ds:schemaRef ds:uri="http://schemas.microsoft.com/sharepoint/v3/contenttype/forms"/>
+  </ds:schemaRefs>
+</ds:datastoreItem>
+</file>
+
 <file path=customXml/itemProps3.xml><?xml version="1.0" encoding="utf-8"?>
 <ds:datastoreItem xmlns:ds="http://schemas.openxmlformats.org/officeDocument/2006/customXml" ds:itemID="{99746342-5E84-430E-9251-61001F208E7A}">
   <ds:schemaRefs>
